--- a/JAVA PPT/day4.pptx
+++ b/JAVA PPT/day4.pptx
@@ -256,6 +256,22 @@
       </a:defRPr>
     </a:lvl9pPr>
   </p:defaultTextStyle>
+  <p:extLst>
+    <p:ext uri="{EFAFB233-063F-42B5-8137-9DF3F51BA10A}">
+      <p15:sldGuideLst xmlns:p15="http://schemas.microsoft.com/office/powerpoint/2012/main">
+        <p15:guide id="1" orient="horz" pos="1621" userDrawn="1">
+          <p15:clr>
+            <a:srgbClr val="A4A3A4"/>
+          </p15:clr>
+        </p15:guide>
+        <p15:guide id="2" pos="2876" userDrawn="1">
+          <p15:clr>
+            <a:srgbClr val="A4A3A4"/>
+          </p15:clr>
+        </p15:guide>
+      </p15:sldGuideLst>
+    </p:ext>
+  </p:extLst>
 </p:presentation>
 </file>
 
@@ -11380,31 +11396,6 @@
           </a:p>
         </p:txBody>
       </p:sp>
-      <p:pic>
-        <p:nvPicPr>
-          <p:cNvPr id="10" name="Picture 9" descr="INT,BYTE"/>
-          <p:cNvPicPr>
-            <a:picLocks noChangeAspect="1"/>
-          </p:cNvPicPr>
-          <p:nvPr/>
-        </p:nvPicPr>
-        <p:blipFill>
-          <a:blip r:embed="rId1"/>
-          <a:srcRect l="5274" t="6605" r="5274" b="6605"/>
-          <a:stretch>
-            <a:fillRect/>
-          </a:stretch>
-        </p:blipFill>
-        <p:spPr>
-          <a:xfrm>
-            <a:off x="5395764" y="698902"/>
-            <a:ext cx="3748236" cy="3745695"/>
-          </a:xfrm>
-          <a:prstGeom prst="rect">
-            <a:avLst/>
-          </a:prstGeom>
-        </p:spPr>
-      </p:pic>
       <p:sp>
         <p:nvSpPr>
           <p:cNvPr id="11" name="Title 1"/>
@@ -11788,6 +11779,35 @@
           </a:p>
         </p:txBody>
       </p:sp>
+      <p:pic>
+        <p:nvPicPr>
+          <p:cNvPr id="5" name="Picture 4"/>
+          <p:cNvPicPr>
+            <a:picLocks noChangeAspect="1"/>
+          </p:cNvPicPr>
+          <p:nvPr>
+            <p:custDataLst>
+              <p:tags r:id="rId1"/>
+            </p:custDataLst>
+          </p:nvPr>
+        </p:nvPicPr>
+        <p:blipFill>
+          <a:blip r:embed="rId2"/>
+          <a:srcRect l="6202" t="2850" r="6035" b="5518"/>
+          <a:stretch>
+            <a:fillRect/>
+          </a:stretch>
+        </p:blipFill>
+        <p:spPr>
+          <a:xfrm>
+            <a:off x="5473065" y="602615"/>
+            <a:ext cx="3417570" cy="3982720"/>
+          </a:xfrm>
+          <a:prstGeom prst="rect">
+            <a:avLst/>
+          </a:prstGeom>
+        </p:spPr>
+      </p:pic>
     </p:spTree>
   </p:cSld>
   <p:clrMapOvr>
@@ -12464,62 +12484,6 @@
                       </p:childTnLst>
                     </p:cTn>
                   </p:par>
-                  <p:par>
-                    <p:cTn id="57" fill="hold">
-                      <p:stCondLst>
-                        <p:cond delay="indefinite"/>
-                      </p:stCondLst>
-                      <p:childTnLst>
-                        <p:par>
-                          <p:cTn id="58" fill="hold">
-                            <p:stCondLst>
-                              <p:cond delay="0"/>
-                            </p:stCondLst>
-                            <p:childTnLst>
-                              <p:par>
-                                <p:cTn id="59" presetID="10" presetClass="entr" presetSubtype="0" fill="hold" nodeType="clickEffect">
-                                  <p:stCondLst>
-                                    <p:cond delay="0"/>
-                                  </p:stCondLst>
-                                  <p:iterate type="lt">
-                                    <p:tmPct val="10000"/>
-                                  </p:iterate>
-                                  <p:childTnLst>
-                                    <p:set>
-                                      <p:cBhvr>
-                                        <p:cTn id="60" dur="1" fill="hold">
-                                          <p:stCondLst>
-                                            <p:cond delay="0"/>
-                                          </p:stCondLst>
-                                        </p:cTn>
-                                        <p:tgtEl>
-                                          <p:spTgt spid="10"/>
-                                        </p:tgtEl>
-                                        <p:attrNameLst>
-                                          <p:attrName>style.visibility</p:attrName>
-                                        </p:attrNameLst>
-                                      </p:cBhvr>
-                                      <p:to>
-                                        <p:strVal val="visible"/>
-                                      </p:to>
-                                    </p:set>
-                                    <p:animEffect transition="in" filter="fade">
-                                      <p:cBhvr>
-                                        <p:cTn id="61" dur="500"/>
-                                        <p:tgtEl>
-                                          <p:spTgt spid="10"/>
-                                        </p:tgtEl>
-                                      </p:cBhvr>
-                                    </p:animEffect>
-                                  </p:childTnLst>
-                                </p:cTn>
-                              </p:par>
-                            </p:childTnLst>
-                          </p:cTn>
-                        </p:par>
-                      </p:childTnLst>
-                    </p:cTn>
-                  </p:par>
                 </p:childTnLst>
               </p:cTn>
               <p:prevCondLst>
@@ -13849,31 +13813,6 @@
           </a:p>
         </p:txBody>
       </p:sp>
-      <p:pic>
-        <p:nvPicPr>
-          <p:cNvPr id="10" name="Picture 9" descr="INT,BYTE"/>
-          <p:cNvPicPr>
-            <a:picLocks noChangeAspect="1"/>
-          </p:cNvPicPr>
-          <p:nvPr/>
-        </p:nvPicPr>
-        <p:blipFill>
-          <a:blip r:embed="rId1"/>
-          <a:srcRect l="5274" t="6605" r="5274" b="6605"/>
-          <a:stretch>
-            <a:fillRect/>
-          </a:stretch>
-        </p:blipFill>
-        <p:spPr>
-          <a:xfrm>
-            <a:off x="5395764" y="698902"/>
-            <a:ext cx="3748236" cy="3745695"/>
-          </a:xfrm>
-          <a:prstGeom prst="rect">
-            <a:avLst/>
-          </a:prstGeom>
-        </p:spPr>
-      </p:pic>
       <p:sp>
         <p:nvSpPr>
           <p:cNvPr id="11" name="Title 1"/>
@@ -14245,6 +14184,35 @@
           </a:p>
         </p:txBody>
       </p:sp>
+      <p:pic>
+        <p:nvPicPr>
+          <p:cNvPr id="2" name="Picture 1"/>
+          <p:cNvPicPr>
+            <a:picLocks noChangeAspect="1"/>
+          </p:cNvPicPr>
+          <p:nvPr>
+            <p:custDataLst>
+              <p:tags r:id="rId1"/>
+            </p:custDataLst>
+          </p:nvPr>
+        </p:nvPicPr>
+        <p:blipFill>
+          <a:blip r:embed="rId2"/>
+          <a:srcRect l="5700" t="5840" r="5514" b="7401"/>
+          <a:stretch>
+            <a:fillRect/>
+          </a:stretch>
+        </p:blipFill>
+        <p:spPr>
+          <a:xfrm>
+            <a:off x="5530215" y="956945"/>
+            <a:ext cx="3296920" cy="3573780"/>
+          </a:xfrm>
+          <a:prstGeom prst="rect">
+            <a:avLst/>
+          </a:prstGeom>
+        </p:spPr>
+      </p:pic>
     </p:spTree>
   </p:cSld>
   <p:clrMapOvr>
@@ -14781,59 +14749,6 @@
                                               <p:pRg st="1" end="1"/>
                                             </p:txEl>
                                           </p:spTgt>
-                                        </p:tgtEl>
-                                      </p:cBhvr>
-                                    </p:animEffect>
-                                  </p:childTnLst>
-                                </p:cTn>
-                              </p:par>
-                            </p:childTnLst>
-                          </p:cTn>
-                        </p:par>
-                      </p:childTnLst>
-                    </p:cTn>
-                  </p:par>
-                  <p:par>
-                    <p:cTn id="45" fill="hold">
-                      <p:stCondLst>
-                        <p:cond delay="indefinite"/>
-                      </p:stCondLst>
-                      <p:childTnLst>
-                        <p:par>
-                          <p:cTn id="46" fill="hold">
-                            <p:stCondLst>
-                              <p:cond delay="0"/>
-                            </p:stCondLst>
-                            <p:childTnLst>
-                              <p:par>
-                                <p:cTn id="47" presetID="10" presetClass="entr" presetSubtype="0" fill="hold" nodeType="clickEffect">
-                                  <p:stCondLst>
-                                    <p:cond delay="0"/>
-                                  </p:stCondLst>
-                                  <p:childTnLst>
-                                    <p:set>
-                                      <p:cBhvr>
-                                        <p:cTn id="48" dur="1" fill="hold">
-                                          <p:stCondLst>
-                                            <p:cond delay="0"/>
-                                          </p:stCondLst>
-                                        </p:cTn>
-                                        <p:tgtEl>
-                                          <p:spTgt spid="10"/>
-                                        </p:tgtEl>
-                                        <p:attrNameLst>
-                                          <p:attrName>style.visibility</p:attrName>
-                                        </p:attrNameLst>
-                                      </p:cBhvr>
-                                      <p:to>
-                                        <p:strVal val="visible"/>
-                                      </p:to>
-                                    </p:set>
-                                    <p:animEffect transition="in" filter="fade">
-                                      <p:cBhvr>
-                                        <p:cTn id="49" dur="500"/>
-                                        <p:tgtEl>
-                                          <p:spTgt spid="10"/>
                                         </p:tgtEl>
                                       </p:cBhvr>
                                     </p:animEffect>
@@ -25126,7 +25041,7 @@
       </p:sp>
       <p:pic>
         <p:nvPicPr>
-          <p:cNvPr id="8" name="Picture 7" descr="keywords"/>
+          <p:cNvPr id="4" name="Picture 3" descr="day4"/>
           <p:cNvPicPr>
             <a:picLocks noChangeAspect="1"/>
           </p:cNvPicPr>
@@ -25134,15 +25049,15 @@
         </p:nvPicPr>
         <p:blipFill>
           <a:blip r:embed="rId1"/>
-          <a:srcRect l="3810" t="8071" r="2920" b="6452"/>
+          <a:srcRect l="7063" t="11432" r="6874" b="11333"/>
           <a:stretch>
             <a:fillRect/>
           </a:stretch>
         </p:blipFill>
         <p:spPr>
           <a:xfrm>
-            <a:off x="5010868" y="1105060"/>
-            <a:ext cx="4008120" cy="2780665"/>
+            <a:off x="4906010" y="1123950"/>
+            <a:ext cx="3923030" cy="2393950"/>
           </a:xfrm>
           <a:prstGeom prst="rect">
             <a:avLst/>
@@ -25346,59 +25261,6 @@
                       </p:childTnLst>
                     </p:cTn>
                   </p:par>
-                  <p:par>
-                    <p:cTn id="18" fill="hold">
-                      <p:stCondLst>
-                        <p:cond delay="indefinite"/>
-                      </p:stCondLst>
-                      <p:childTnLst>
-                        <p:par>
-                          <p:cTn id="19" fill="hold">
-                            <p:stCondLst>
-                              <p:cond delay="0"/>
-                            </p:stCondLst>
-                            <p:childTnLst>
-                              <p:par>
-                                <p:cTn id="20" presetID="10" presetClass="entr" presetSubtype="0" fill="hold" nodeType="clickEffect">
-                                  <p:stCondLst>
-                                    <p:cond delay="0"/>
-                                  </p:stCondLst>
-                                  <p:childTnLst>
-                                    <p:set>
-                                      <p:cBhvr>
-                                        <p:cTn id="21" dur="1" fill="hold">
-                                          <p:stCondLst>
-                                            <p:cond delay="0"/>
-                                          </p:stCondLst>
-                                        </p:cTn>
-                                        <p:tgtEl>
-                                          <p:spTgt spid="8"/>
-                                        </p:tgtEl>
-                                        <p:attrNameLst>
-                                          <p:attrName>style.visibility</p:attrName>
-                                        </p:attrNameLst>
-                                      </p:cBhvr>
-                                      <p:to>
-                                        <p:strVal val="visible"/>
-                                      </p:to>
-                                    </p:set>
-                                    <p:animEffect transition="in" filter="fade">
-                                      <p:cBhvr>
-                                        <p:cTn id="22" dur="500"/>
-                                        <p:tgtEl>
-                                          <p:spTgt spid="8"/>
-                                        </p:tgtEl>
-                                      </p:cBhvr>
-                                    </p:animEffect>
-                                  </p:childTnLst>
-                                </p:cTn>
-                              </p:par>
-                            </p:childTnLst>
-                          </p:cTn>
-                        </p:par>
-                      </p:childTnLst>
-                    </p:cTn>
-                  </p:par>
                 </p:childTnLst>
               </p:cTn>
               <p:prevCondLst>
@@ -26037,7 +25899,7 @@
         <p:spPr>
           <a:xfrm>
             <a:off x="1059905" y="1313042"/>
-            <a:ext cx="3950963" cy="3016210"/>
+            <a:ext cx="3950963" cy="2276475"/>
           </a:xfrm>
           <a:prstGeom prst="rect">
             <a:avLst/>
@@ -26051,8 +25913,11 @@
           <a:lstStyle/>
           <a:p>
             <a:pPr marL="285750" indent="-285750">
-              <a:buFont typeface="Arial" panose="020B0604020202020204" pitchFamily="34" charset="0"/>
-              <a:buChar char="•"/>
+              <a:buClr>
+                <a:srgbClr val="FFFFFF"/>
+              </a:buClr>
+              <a:buFont typeface="Wingdings" panose="05000000000000000000" charset="0"/>
+              <a:buChar char="§"/>
             </a:pPr>
             <a:r>
               <a:rPr lang="en-US" altLang="en-GB" sz="1600" dirty="0">
@@ -26077,8 +25942,12 @@
             </a:endParaRPr>
           </a:p>
           <a:p>
-            <a:pPr marL="0" indent="0">
-              <a:buNone/>
+            <a:pPr marL="285750" indent="-285750">
+              <a:buClr>
+                <a:srgbClr val="FFFFFF"/>
+              </a:buClr>
+              <a:buFont typeface="Wingdings" panose="05000000000000000000" charset="0"/>
+              <a:buChar char="§"/>
             </a:pPr>
             <a:r>
               <a:rPr lang="en-US" altLang="en-GB" sz="1600" dirty="0" err="1">
@@ -26116,6 +25985,10 @@
           </a:p>
           <a:p>
             <a:pPr marL="0" indent="0">
+              <a:buClr>
+                <a:srgbClr val="FFFFFF"/>
+              </a:buClr>
+              <a:buFont typeface="Wingdings" panose="05000000000000000000" charset="0"/>
               <a:buNone/>
             </a:pPr>
             <a:r>
@@ -26142,8 +26015,11 @@
           </a:p>
           <a:p>
             <a:pPr marL="285750" indent="-285750">
-              <a:buFont typeface="Arial" panose="020B0604020202020204" pitchFamily="34" charset="0"/>
-              <a:buChar char="•"/>
+              <a:buClr>
+                <a:srgbClr val="FFFFFF"/>
+              </a:buClr>
+              <a:buFont typeface="Wingdings" panose="05000000000000000000" charset="0"/>
+              <a:buChar char="§"/>
             </a:pPr>
             <a:r>
               <a:rPr lang="en-US" altLang="en-GB" sz="1600" dirty="0">
@@ -26169,6 +26045,10 @@
           </a:p>
           <a:p>
             <a:pPr marL="0" indent="0">
+              <a:buClr>
+                <a:srgbClr val="FFFFFF"/>
+              </a:buClr>
+              <a:buFont typeface="Wingdings" panose="05000000000000000000" charset="0"/>
               <a:buNone/>
             </a:pPr>
             <a:r>
@@ -26205,6 +26085,13 @@
             </a:endParaRPr>
           </a:p>
           <a:p>
+            <a:pPr marL="285750" indent="-285750">
+              <a:buClr>
+                <a:srgbClr val="FFFFFF"/>
+              </a:buClr>
+              <a:buFont typeface="Wingdings" panose="05000000000000000000" charset="0"/>
+              <a:buChar char="§"/>
+            </a:pPr>
             <a:endParaRPr lang="en-US" altLang="en-GB" sz="1600" dirty="0">
               <a:solidFill>
                 <a:schemeClr val="accent6"/>
@@ -26216,6 +26103,13 @@
             </a:endParaRPr>
           </a:p>
           <a:p>
+            <a:pPr marL="285750" indent="-285750">
+              <a:buClr>
+                <a:srgbClr val="FFFFFF"/>
+              </a:buClr>
+              <a:buFont typeface="Wingdings" panose="05000000000000000000" charset="0"/>
+              <a:buChar char="§"/>
+            </a:pPr>
             <a:r>
               <a:rPr lang="en-US" sz="1600" dirty="0">
                 <a:solidFill>
@@ -26249,6 +26143,13 @@
             </a:endParaRPr>
           </a:p>
           <a:p>
+            <a:pPr marL="285750" indent="-285750">
+              <a:buClr>
+                <a:srgbClr val="FFFFFF"/>
+              </a:buClr>
+              <a:buFont typeface="Wingdings" panose="05000000000000000000" charset="0"/>
+              <a:buChar char="§"/>
+            </a:pPr>
             <a:endParaRPr lang="en-IN" dirty="0"/>
           </a:p>
         </p:txBody>
@@ -26520,23 +26421,27 @@
       </p:sp>
       <p:pic>
         <p:nvPicPr>
-          <p:cNvPr id="4" name="Picture 3" descr="comments"/>
+          <p:cNvPr id="9" name="Picture 8"/>
           <p:cNvPicPr>
             <a:picLocks noChangeAspect="1"/>
           </p:cNvPicPr>
-          <p:nvPr/>
+          <p:nvPr>
+            <p:custDataLst>
+              <p:tags r:id="rId1"/>
+            </p:custDataLst>
+          </p:nvPr>
         </p:nvPicPr>
         <p:blipFill>
-          <a:blip r:embed="rId1"/>
-          <a:srcRect l="4714" t="6605" r="4722" b="6605"/>
+          <a:blip r:embed="rId2"/>
+          <a:srcRect l="5043" t="7203" r="5586" b="5736"/>
           <a:stretch>
             <a:fillRect/>
           </a:stretch>
         </p:blipFill>
         <p:spPr>
           <a:xfrm>
-            <a:off x="4929506" y="144731"/>
-            <a:ext cx="4097301" cy="4416069"/>
+            <a:off x="4681855" y="712470"/>
+            <a:ext cx="4232910" cy="3307080"/>
           </a:xfrm>
           <a:prstGeom prst="rect">
             <a:avLst/>
@@ -26939,59 +26844,6 @@
                       </p:childTnLst>
                     </p:cTn>
                   </p:par>
-                  <p:par>
-                    <p:cTn id="33" fill="hold">
-                      <p:stCondLst>
-                        <p:cond delay="indefinite"/>
-                      </p:stCondLst>
-                      <p:childTnLst>
-                        <p:par>
-                          <p:cTn id="34" fill="hold">
-                            <p:stCondLst>
-                              <p:cond delay="0"/>
-                            </p:stCondLst>
-                            <p:childTnLst>
-                              <p:par>
-                                <p:cTn id="35" presetID="10" presetClass="entr" presetSubtype="0" fill="hold" nodeType="clickEffect">
-                                  <p:stCondLst>
-                                    <p:cond delay="0"/>
-                                  </p:stCondLst>
-                                  <p:childTnLst>
-                                    <p:set>
-                                      <p:cBhvr>
-                                        <p:cTn id="36" dur="1" fill="hold">
-                                          <p:stCondLst>
-                                            <p:cond delay="0"/>
-                                          </p:stCondLst>
-                                        </p:cTn>
-                                        <p:tgtEl>
-                                          <p:spTgt spid="4"/>
-                                        </p:tgtEl>
-                                        <p:attrNameLst>
-                                          <p:attrName>style.visibility</p:attrName>
-                                        </p:attrNameLst>
-                                      </p:cBhvr>
-                                      <p:to>
-                                        <p:strVal val="visible"/>
-                                      </p:to>
-                                    </p:set>
-                                    <p:animEffect transition="in" filter="fade">
-                                      <p:cBhvr>
-                                        <p:cTn id="37" dur="500"/>
-                                        <p:tgtEl>
-                                          <p:spTgt spid="4"/>
-                                        </p:tgtEl>
-                                      </p:cBhvr>
-                                    </p:animEffect>
-                                  </p:childTnLst>
-                                </p:cTn>
-                              </p:par>
-                            </p:childTnLst>
-                          </p:cTn>
-                        </p:par>
-                      </p:childTnLst>
-                    </p:cTn>
-                  </p:par>
                 </p:childTnLst>
               </p:cTn>
               <p:prevCondLst>
@@ -28069,23 +27921,27 @@
       </p:sp>
       <p:pic>
         <p:nvPicPr>
-          <p:cNvPr id="4" name="Picture 3" descr="comments"/>
+          <p:cNvPr id="9" name="Picture 8"/>
           <p:cNvPicPr>
             <a:picLocks noChangeAspect="1"/>
           </p:cNvPicPr>
-          <p:nvPr/>
+          <p:nvPr>
+            <p:custDataLst>
+              <p:tags r:id="rId1"/>
+            </p:custDataLst>
+          </p:nvPr>
         </p:nvPicPr>
         <p:blipFill>
-          <a:blip r:embed="rId1"/>
-          <a:srcRect l="4714" t="6605" r="4722" b="6605"/>
+          <a:blip r:embed="rId2"/>
+          <a:srcRect l="5043" t="7203" r="5586" b="5736"/>
           <a:stretch>
             <a:fillRect/>
           </a:stretch>
         </p:blipFill>
         <p:spPr>
           <a:xfrm>
-            <a:off x="4929506" y="144731"/>
-            <a:ext cx="4097301" cy="4416069"/>
+            <a:off x="5125085" y="400050"/>
+            <a:ext cx="3789680" cy="3800475"/>
           </a:xfrm>
           <a:prstGeom prst="rect">
             <a:avLst/>
@@ -28335,59 +28191,6 @@
                       </p:childTnLst>
                     </p:cTn>
                   </p:par>
-                  <p:par>
-                    <p:cTn id="21" fill="hold">
-                      <p:stCondLst>
-                        <p:cond delay="indefinite"/>
-                      </p:stCondLst>
-                      <p:childTnLst>
-                        <p:par>
-                          <p:cTn id="22" fill="hold">
-                            <p:stCondLst>
-                              <p:cond delay="0"/>
-                            </p:stCondLst>
-                            <p:childTnLst>
-                              <p:par>
-                                <p:cTn id="23" presetID="10" presetClass="entr" presetSubtype="0" fill="hold" nodeType="clickEffect">
-                                  <p:stCondLst>
-                                    <p:cond delay="0"/>
-                                  </p:stCondLst>
-                                  <p:childTnLst>
-                                    <p:set>
-                                      <p:cBhvr>
-                                        <p:cTn id="24" dur="1" fill="hold">
-                                          <p:stCondLst>
-                                            <p:cond delay="0"/>
-                                          </p:stCondLst>
-                                        </p:cTn>
-                                        <p:tgtEl>
-                                          <p:spTgt spid="4"/>
-                                        </p:tgtEl>
-                                        <p:attrNameLst>
-                                          <p:attrName>style.visibility</p:attrName>
-                                        </p:attrNameLst>
-                                      </p:cBhvr>
-                                      <p:to>
-                                        <p:strVal val="visible"/>
-                                      </p:to>
-                                    </p:set>
-                                    <p:animEffect transition="in" filter="fade">
-                                      <p:cBhvr>
-                                        <p:cTn id="25" dur="500"/>
-                                        <p:tgtEl>
-                                          <p:spTgt spid="4"/>
-                                        </p:tgtEl>
-                                      </p:cBhvr>
-                                    </p:animEffect>
-                                  </p:childTnLst>
-                                </p:cTn>
-                              </p:par>
-                            </p:childTnLst>
-                          </p:cTn>
-                        </p:par>
-                      </p:childTnLst>
-                    </p:cTn>
-                  </p:par>
                 </p:childTnLst>
               </p:cTn>
               <p:prevCondLst>
@@ -29362,31 +29165,6 @@
           </a:p>
         </p:txBody>
       </p:sp>
-      <p:pic>
-        <p:nvPicPr>
-          <p:cNvPr id="4" name="Picture 3" descr="comments"/>
-          <p:cNvPicPr>
-            <a:picLocks noChangeAspect="1"/>
-          </p:cNvPicPr>
-          <p:nvPr/>
-        </p:nvPicPr>
-        <p:blipFill>
-          <a:blip r:embed="rId1"/>
-          <a:srcRect l="4714" t="6605" r="4722" b="6605"/>
-          <a:stretch>
-            <a:fillRect/>
-          </a:stretch>
-        </p:blipFill>
-        <p:spPr>
-          <a:xfrm>
-            <a:off x="4929506" y="144731"/>
-            <a:ext cx="4097301" cy="4416069"/>
-          </a:xfrm>
-          <a:prstGeom prst="rect">
-            <a:avLst/>
-          </a:prstGeom>
-        </p:spPr>
-      </p:pic>
       <p:sp>
         <p:nvSpPr>
           <p:cNvPr id="8" name="Title 1"/>
@@ -29837,6 +29615,35 @@
           </a:p>
         </p:txBody>
       </p:sp>
+      <p:pic>
+        <p:nvPicPr>
+          <p:cNvPr id="9" name="Picture 8"/>
+          <p:cNvPicPr>
+            <a:picLocks noChangeAspect="1"/>
+          </p:cNvPicPr>
+          <p:nvPr>
+            <p:custDataLst>
+              <p:tags r:id="rId1"/>
+            </p:custDataLst>
+          </p:nvPr>
+        </p:nvPicPr>
+        <p:blipFill>
+          <a:blip r:embed="rId2"/>
+          <a:srcRect l="5043" t="7203" r="5586" b="5736"/>
+          <a:stretch>
+            <a:fillRect/>
+          </a:stretch>
+        </p:blipFill>
+        <p:spPr>
+          <a:xfrm>
+            <a:off x="4900930" y="695960"/>
+            <a:ext cx="3890010" cy="3634105"/>
+          </a:xfrm>
+          <a:prstGeom prst="rect">
+            <a:avLst/>
+          </a:prstGeom>
+        </p:spPr>
+      </p:pic>
     </p:spTree>
   </p:cSld>
   <p:clrMapOvr>
@@ -30182,59 +29989,6 @@
                       </p:childTnLst>
                     </p:cTn>
                   </p:par>
-                  <p:par>
-                    <p:cTn id="29" fill="hold">
-                      <p:stCondLst>
-                        <p:cond delay="indefinite"/>
-                      </p:stCondLst>
-                      <p:childTnLst>
-                        <p:par>
-                          <p:cTn id="30" fill="hold">
-                            <p:stCondLst>
-                              <p:cond delay="0"/>
-                            </p:stCondLst>
-                            <p:childTnLst>
-                              <p:par>
-                                <p:cTn id="31" presetID="10" presetClass="entr" presetSubtype="0" fill="hold" nodeType="clickEffect">
-                                  <p:stCondLst>
-                                    <p:cond delay="0"/>
-                                  </p:stCondLst>
-                                  <p:childTnLst>
-                                    <p:set>
-                                      <p:cBhvr>
-                                        <p:cTn id="32" dur="1" fill="hold">
-                                          <p:stCondLst>
-                                            <p:cond delay="0"/>
-                                          </p:stCondLst>
-                                        </p:cTn>
-                                        <p:tgtEl>
-                                          <p:spTgt spid="4"/>
-                                        </p:tgtEl>
-                                        <p:attrNameLst>
-                                          <p:attrName>style.visibility</p:attrName>
-                                        </p:attrNameLst>
-                                      </p:cBhvr>
-                                      <p:to>
-                                        <p:strVal val="visible"/>
-                                      </p:to>
-                                    </p:set>
-                                    <p:animEffect transition="in" filter="fade">
-                                      <p:cBhvr>
-                                        <p:cTn id="33" dur="500"/>
-                                        <p:tgtEl>
-                                          <p:spTgt spid="4"/>
-                                        </p:tgtEl>
-                                      </p:cBhvr>
-                                    </p:animEffect>
-                                  </p:childTnLst>
-                                </p:cTn>
-                              </p:par>
-                            </p:childTnLst>
-                          </p:cTn>
-                        </p:par>
-                      </p:childTnLst>
-                    </p:cTn>
-                  </p:par>
                 </p:childTnLst>
               </p:cTn>
               <p:prevCondLst>
@@ -32317,6 +32071,36 @@
     </p:bldLst>
   </p:timing>
 </p:sld>
+</file>
+
+<file path=ppt/tags/tag1.xml><?xml version="1.0" encoding="utf-8"?>
+<p:tagLst xmlns:p="http://schemas.openxmlformats.org/presentationml/2006/main">
+  <p:tag name="KSO_WM_BEAUTIFY_FLAG" val=""/>
+</p:tagLst>
+</file>
+
+<file path=ppt/tags/tag2.xml><?xml version="1.0" encoding="utf-8"?>
+<p:tagLst xmlns:p="http://schemas.openxmlformats.org/presentationml/2006/main">
+  <p:tag name="KSO_WM_BEAUTIFY_FLAG" val=""/>
+</p:tagLst>
+</file>
+
+<file path=ppt/tags/tag3.xml><?xml version="1.0" encoding="utf-8"?>
+<p:tagLst xmlns:p="http://schemas.openxmlformats.org/presentationml/2006/main">
+  <p:tag name="KSO_WM_BEAUTIFY_FLAG" val=""/>
+</p:tagLst>
+</file>
+
+<file path=ppt/tags/tag4.xml><?xml version="1.0" encoding="utf-8"?>
+<p:tagLst xmlns:p="http://schemas.openxmlformats.org/presentationml/2006/main">
+  <p:tag name="KSO_WM_BEAUTIFY_FLAG" val=""/>
+</p:tagLst>
+</file>
+
+<file path=ppt/tags/tag5.xml><?xml version="1.0" encoding="utf-8"?>
+<p:tagLst xmlns:p="http://schemas.openxmlformats.org/presentationml/2006/main">
+  <p:tag name="KSO_WM_BEAUTIFY_FLAG" val=""/>
+</p:tagLst>
 </file>
 
 <file path=ppt/theme/theme1.xml><?xml version="1.0" encoding="utf-8"?>
